--- a/1 RERUM NOVARUM(1891).pptx
+++ b/1 RERUM NOVARUM(1891).pptx
@@ -110,6 +110,22 @@
       </a:defRPr>
     </a:lvl9pPr>
   </p:defaultTextStyle>
+  <p:extLst>
+    <p:ext uri="{EFAFB233-063F-42B5-8137-9DF3F51BA10A}">
+      <p15:sldGuideLst xmlns:p15="http://schemas.microsoft.com/office/powerpoint/2012/main">
+        <p15:guide id="1" orient="horz" pos="2160">
+          <p15:clr>
+            <a:srgbClr val="A4A3A4"/>
+          </p15:clr>
+        </p15:guide>
+        <p15:guide id="2" pos="2880">
+          <p15:clr>
+            <a:srgbClr val="A4A3A4"/>
+          </p15:clr>
+        </p15:guide>
+      </p15:sldGuideLst>
+    </p:ext>
+  </p:extLst>
 </p:presentation>
 </file>
 
@@ -738,7 +754,7 @@
           <a:p>
             <a:fld id="{C54CA0E3-2BB6-4DA4-8CBC-01FF62153F36}" type="datetimeFigureOut">
               <a:rPr lang="pt-PT" smtClean="0"/>
-              <a:t>17-04-2018</a:t>
+              <a:t>23/10/2021</a:t>
             </a:fld>
             <a:endParaRPr lang="pt-PT"/>
           </a:p>
@@ -934,7 +950,7 @@
           <a:p>
             <a:fld id="{C54CA0E3-2BB6-4DA4-8CBC-01FF62153F36}" type="datetimeFigureOut">
               <a:rPr lang="pt-PT" smtClean="0"/>
-              <a:t>17-04-2018</a:t>
+              <a:t>23/10/2021</a:t>
             </a:fld>
             <a:endParaRPr lang="pt-PT"/>
           </a:p>
@@ -1119,7 +1135,7 @@
           <a:p>
             <a:fld id="{C54CA0E3-2BB6-4DA4-8CBC-01FF62153F36}" type="datetimeFigureOut">
               <a:rPr lang="pt-PT" smtClean="0"/>
-              <a:t>17-04-2018</a:t>
+              <a:t>23/10/2021</a:t>
             </a:fld>
             <a:endParaRPr lang="pt-PT"/>
           </a:p>
@@ -1269,7 +1285,7 @@
           <a:p>
             <a:fld id="{C54CA0E3-2BB6-4DA4-8CBC-01FF62153F36}" type="datetimeFigureOut">
               <a:rPr lang="pt-PT" smtClean="0"/>
-              <a:t>17-04-2018</a:t>
+              <a:t>23/10/2021</a:t>
             </a:fld>
             <a:endParaRPr lang="pt-PT"/>
           </a:p>
@@ -1524,7 +1540,7 @@
           <a:p>
             <a:fld id="{C54CA0E3-2BB6-4DA4-8CBC-01FF62153F36}" type="datetimeFigureOut">
               <a:rPr lang="pt-PT" smtClean="0"/>
-              <a:t>17-04-2018</a:t>
+              <a:t>23/10/2021</a:t>
             </a:fld>
             <a:endParaRPr lang="pt-PT"/>
           </a:p>
@@ -1933,7 +1949,7 @@
           <a:p>
             <a:fld id="{C54CA0E3-2BB6-4DA4-8CBC-01FF62153F36}" type="datetimeFigureOut">
               <a:rPr lang="pt-PT" smtClean="0"/>
-              <a:t>17-04-2018</a:t>
+              <a:t>23/10/2021</a:t>
             </a:fld>
             <a:endParaRPr lang="pt-PT"/>
           </a:p>
@@ -2379,7 +2395,7 @@
           <a:p>
             <a:fld id="{C54CA0E3-2BB6-4DA4-8CBC-01FF62153F36}" type="datetimeFigureOut">
               <a:rPr lang="pt-PT" smtClean="0"/>
-              <a:t>17-04-2018</a:t>
+              <a:t>23/10/2021</a:t>
             </a:fld>
             <a:endParaRPr lang="pt-PT"/>
           </a:p>
@@ -2480,7 +2496,7 @@
           <a:p>
             <a:fld id="{C54CA0E3-2BB6-4DA4-8CBC-01FF62153F36}" type="datetimeFigureOut">
               <a:rPr lang="pt-PT" smtClean="0"/>
-              <a:t>17-04-2018</a:t>
+              <a:t>23/10/2021</a:t>
             </a:fld>
             <a:endParaRPr lang="pt-PT"/>
           </a:p>
@@ -2601,7 +2617,7 @@
           <a:p>
             <a:fld id="{C54CA0E3-2BB6-4DA4-8CBC-01FF62153F36}" type="datetimeFigureOut">
               <a:rPr lang="pt-PT" smtClean="0"/>
-              <a:t>17-04-2018</a:t>
+              <a:t>23/10/2021</a:t>
             </a:fld>
             <a:endParaRPr lang="pt-PT"/>
           </a:p>
@@ -2875,7 +2891,7 @@
           <a:p>
             <a:fld id="{C54CA0E3-2BB6-4DA4-8CBC-01FF62153F36}" type="datetimeFigureOut">
               <a:rPr lang="pt-PT" smtClean="0"/>
-              <a:t>17-04-2018</a:t>
+              <a:t>23/10/2021</a:t>
             </a:fld>
             <a:endParaRPr lang="pt-PT"/>
           </a:p>
@@ -3080,7 +3096,7 @@
           <a:p>
             <a:fld id="{C54CA0E3-2BB6-4DA4-8CBC-01FF62153F36}" type="datetimeFigureOut">
               <a:rPr lang="pt-PT" smtClean="0"/>
-              <a:t>17-04-2018</a:t>
+              <a:t>23/10/2021</a:t>
             </a:fld>
             <a:endParaRPr lang="pt-PT"/>
           </a:p>
@@ -4189,7 +4205,7 @@
           <a:p>
             <a:fld id="{C54CA0E3-2BB6-4DA4-8CBC-01FF62153F36}" type="datetimeFigureOut">
               <a:rPr lang="pt-PT" smtClean="0"/>
-              <a:t>17-04-2018</a:t>
+              <a:t>23/10/2021</a:t>
             </a:fld>
             <a:endParaRPr lang="pt-PT"/>
           </a:p>
@@ -4614,11 +4630,18 @@
           <a:lstStyle/>
           <a:p>
             <a:r>
+              <a:rPr lang="pt-PT" sz="4800" i="1" u="sng" smtClean="0">
+                <a:latin typeface="Times New Roman" pitchFamily="18" charset="0"/>
+                <a:cs typeface="Times New Roman" pitchFamily="18" charset="0"/>
+              </a:rPr>
+              <a:t>Txio Willy NOVARUM(1891</a:t>
+            </a:r>
+            <a:r>
               <a:rPr lang="pt-PT" sz="4800" i="1" u="sng" dirty="0" smtClean="0">
                 <a:latin typeface="Times New Roman" pitchFamily="18" charset="0"/>
                 <a:cs typeface="Times New Roman" pitchFamily="18" charset="0"/>
               </a:rPr>
-              <a:t>RERUM NOVARUM(1891)</a:t>
+              <a:t>)</a:t>
             </a:r>
             <a:endParaRPr lang="pt-PT" sz="4800" i="1" u="sng" dirty="0">
               <a:latin typeface="Times New Roman" pitchFamily="18" charset="0"/>
